--- a/lesson13/html.pptx
+++ b/lesson13/html.pptx
@@ -3288,11 +3288,7 @@
             <a:pPr lvl="1"/>
             <a:r>
               <a:rPr lang="en-US" altLang="zh-CN" dirty="0" smtClean="0"/>
-              <a:t>&lt;td</a:t>
-            </a:r>
-            <a:r>
-              <a:rPr lang="en-US" altLang="zh-CN" dirty="0" smtClean="0"/>
-              <a:t>&gt;</a:t>
+              <a:t>&lt;td&gt;</a:t>
             </a:r>
           </a:p>
           <a:p>
